--- a/Презентація.pptx
+++ b/Презентація.pptx
@@ -292,7 +292,7 @@
           <a:p>
             <a:fld id="{D4EAD3FA-8C71-42E7-B758-A89F2AAD42DA}" type="datetimeFigureOut">
               <a:rPr lang="ru-RU" smtClean="0"/>
-              <a:t>07/06/18</a:t>
+              <a:t>19/06/18</a:t>
             </a:fld>
             <a:endParaRPr lang="ru-RU"/>
           </a:p>
@@ -622,7 +622,7 @@
           <a:p>
             <a:fld id="{D4EAD3FA-8C71-42E7-B758-A89F2AAD42DA}" type="datetimeFigureOut">
               <a:rPr lang="ru-RU" smtClean="0"/>
-              <a:t>07/06/18</a:t>
+              <a:t>19/06/18</a:t>
             </a:fld>
             <a:endParaRPr lang="ru-RU"/>
           </a:p>
@@ -802,7 +802,7 @@
           <a:p>
             <a:fld id="{D4EAD3FA-8C71-42E7-B758-A89F2AAD42DA}" type="datetimeFigureOut">
               <a:rPr lang="ru-RU" smtClean="0"/>
-              <a:t>07/06/18</a:t>
+              <a:t>19/06/18</a:t>
             </a:fld>
             <a:endParaRPr lang="ru-RU"/>
           </a:p>
@@ -972,7 +972,7 @@
           <a:p>
             <a:fld id="{D4EAD3FA-8C71-42E7-B758-A89F2AAD42DA}" type="datetimeFigureOut">
               <a:rPr lang="ru-RU" smtClean="0"/>
-              <a:t>07/06/18</a:t>
+              <a:t>19/06/18</a:t>
             </a:fld>
             <a:endParaRPr lang="ru-RU"/>
           </a:p>
@@ -1249,7 +1249,7 @@
           <a:p>
             <a:fld id="{D4EAD3FA-8C71-42E7-B758-A89F2AAD42DA}" type="datetimeFigureOut">
               <a:rPr lang="ru-RU" smtClean="0"/>
-              <a:t>07/06/18</a:t>
+              <a:t>19/06/18</a:t>
             </a:fld>
             <a:endParaRPr lang="ru-RU"/>
           </a:p>
@@ -1643,7 +1643,7 @@
           <a:p>
             <a:fld id="{D4EAD3FA-8C71-42E7-B758-A89F2AAD42DA}" type="datetimeFigureOut">
               <a:rPr lang="ru-RU" smtClean="0"/>
-              <a:t>07/06/18</a:t>
+              <a:t>19/06/18</a:t>
             </a:fld>
             <a:endParaRPr lang="ru-RU"/>
           </a:p>
@@ -2120,7 +2120,7 @@
           <a:p>
             <a:fld id="{D4EAD3FA-8C71-42E7-B758-A89F2AAD42DA}" type="datetimeFigureOut">
               <a:rPr lang="ru-RU" smtClean="0"/>
-              <a:t>07/06/18</a:t>
+              <a:t>19/06/18</a:t>
             </a:fld>
             <a:endParaRPr lang="ru-RU"/>
           </a:p>
@@ -2238,7 +2238,7 @@
           <a:p>
             <a:fld id="{D4EAD3FA-8C71-42E7-B758-A89F2AAD42DA}" type="datetimeFigureOut">
               <a:rPr lang="ru-RU" smtClean="0"/>
-              <a:t>07/06/18</a:t>
+              <a:t>19/06/18</a:t>
             </a:fld>
             <a:endParaRPr lang="ru-RU"/>
           </a:p>
@@ -2333,7 +2333,7 @@
           <a:p>
             <a:fld id="{D4EAD3FA-8C71-42E7-B758-A89F2AAD42DA}" type="datetimeFigureOut">
               <a:rPr lang="ru-RU" smtClean="0"/>
-              <a:t>07/06/18</a:t>
+              <a:t>19/06/18</a:t>
             </a:fld>
             <a:endParaRPr lang="ru-RU"/>
           </a:p>
@@ -2679,7 +2679,7 @@
           <a:p>
             <a:fld id="{D4EAD3FA-8C71-42E7-B758-A89F2AAD42DA}" type="datetimeFigureOut">
               <a:rPr lang="ru-RU" smtClean="0"/>
-              <a:t>07/06/18</a:t>
+              <a:t>19/06/18</a:t>
             </a:fld>
             <a:endParaRPr lang="ru-RU"/>
           </a:p>
@@ -3067,7 +3067,7 @@
           <a:p>
             <a:fld id="{D4EAD3FA-8C71-42E7-B758-A89F2AAD42DA}" type="datetimeFigureOut">
               <a:rPr lang="ru-RU" smtClean="0"/>
-              <a:t>07/06/18</a:t>
+              <a:t>19/06/18</a:t>
             </a:fld>
             <a:endParaRPr lang="ru-RU"/>
           </a:p>
@@ -3345,7 +3345,7 @@
           <a:p>
             <a:fld id="{D4EAD3FA-8C71-42E7-B758-A89F2AAD42DA}" type="datetimeFigureOut">
               <a:rPr lang="ru-RU" smtClean="0"/>
-              <a:t>07/06/18</a:t>
+              <a:t>19/06/18</a:t>
             </a:fld>
             <a:endParaRPr lang="ru-RU"/>
           </a:p>
@@ -3925,8 +3925,8 @@
         </p:nvSpPr>
         <p:spPr>
           <a:xfrm>
-            <a:off x="2722909" y="2053883"/>
-            <a:ext cx="6740821" cy="1200329"/>
+            <a:off x="2073279" y="2053883"/>
+            <a:ext cx="8040086" cy="1200329"/>
           </a:xfrm>
           <a:prstGeom prst="rect">
             <a:avLst/>
@@ -3955,7 +3955,14 @@
                 <a:latin typeface="Times New Roman" panose="02020603050405020304" pitchFamily="18" charset="0"/>
                 <a:cs typeface="Times New Roman" panose="02020603050405020304" pitchFamily="18" charset="0"/>
               </a:rPr>
-              <a:t>ПРОГРАМНА СИСТЕМА ДЛЯ АВТОМАТИЗАЦІЇ СКЛАДАННЯ</a:t>
+              <a:t>РОЗРОБКА ПРОГРАМНОЇ СИСТЕМИ </a:t>
+            </a:r>
+            <a:r>
+              <a:rPr lang="uk-UA" dirty="0" smtClean="0">
+                <a:latin typeface="Times New Roman" panose="02020603050405020304" pitchFamily="18" charset="0"/>
+                <a:cs typeface="Times New Roman" panose="02020603050405020304" pitchFamily="18" charset="0"/>
+              </a:rPr>
+              <a:t>ДЛЯ АВТОМАТИЗАЦІЇ СКЛАДАННЯ</a:t>
             </a:r>
           </a:p>
           <a:p>
@@ -4535,14 +4542,7 @@
                 <a:latin typeface="Times New Roman" panose="02020603050405020304" pitchFamily="18" charset="0"/>
                 <a:cs typeface="Times New Roman" panose="02020603050405020304" pitchFamily="18" charset="0"/>
               </a:rPr>
-              <a:t>можна </a:t>
-            </a:r>
-            <a:r>
-              <a:rPr lang="uk-UA" sz="2400" smtClean="0">
-                <a:latin typeface="Times New Roman" panose="02020603050405020304" pitchFamily="18" charset="0"/>
-                <a:cs typeface="Times New Roman" panose="02020603050405020304" pitchFamily="18" charset="0"/>
-              </a:rPr>
-              <a:t>стверджувати що:</a:t>
+              <a:t>можна стверджувати що:</a:t>
             </a:r>
             <a:endParaRPr lang="uk-UA" sz="2400" dirty="0" smtClean="0">
               <a:latin typeface="Times New Roman" panose="02020603050405020304" pitchFamily="18" charset="0"/>
@@ -5110,21 +5110,7 @@
                 <a:latin typeface="Times New Roman" panose="02020603050405020304" pitchFamily="18" charset="0"/>
                 <a:cs typeface="Times New Roman" panose="02020603050405020304" pitchFamily="18" charset="0"/>
               </a:rPr>
-              <a:t>Автоматизоване створення графіку навчального процесу, виведення аналітичної інформації про </a:t>
-            </a:r>
-            <a:r>
-              <a:rPr lang="uk-UA" sz="2400" dirty="0" smtClean="0">
-                <a:latin typeface="Times New Roman" panose="02020603050405020304" pitchFamily="18" charset="0"/>
-                <a:cs typeface="Times New Roman" panose="02020603050405020304" pitchFamily="18" charset="0"/>
-              </a:rPr>
-              <a:t>графік </a:t>
-            </a:r>
-            <a:r>
-              <a:rPr lang="uk-UA" sz="2400" dirty="0" smtClean="0">
-                <a:latin typeface="Times New Roman" panose="02020603050405020304" pitchFamily="18" charset="0"/>
-                <a:cs typeface="Times New Roman" panose="02020603050405020304" pitchFamily="18" charset="0"/>
-              </a:rPr>
-              <a:t>та експортування в інші формати</a:t>
+              <a:t>Автоматизоване створення графіку навчального процесу, виведення аналітичної інформації про графік та експортування в інші формати</a:t>
             </a:r>
           </a:p>
           <a:p>
@@ -5271,35 +5257,7 @@
                 <a:latin typeface="Times New Roman" panose="02020603050405020304" pitchFamily="18" charset="0"/>
                 <a:cs typeface="Times New Roman" panose="02020603050405020304" pitchFamily="18" charset="0"/>
               </a:rPr>
-              <a:t>Низький поточний рівень автоматизації процесу створення розкладу занять та супутніх документів. Відсутність автоматизації призводить до </a:t>
-            </a:r>
-            <a:r>
-              <a:rPr lang="uk-UA" sz="2400" dirty="0" smtClean="0">
-                <a:latin typeface="Times New Roman" panose="02020603050405020304" pitchFamily="18" charset="0"/>
-                <a:cs typeface="Times New Roman" panose="02020603050405020304" pitchFamily="18" charset="0"/>
-              </a:rPr>
-              <a:t>непродуктивного </a:t>
-            </a:r>
-            <a:r>
-              <a:rPr lang="uk-UA" sz="2400" dirty="0" smtClean="0">
-                <a:latin typeface="Times New Roman" panose="02020603050405020304" pitchFamily="18" charset="0"/>
-                <a:cs typeface="Times New Roman" panose="02020603050405020304" pitchFamily="18" charset="0"/>
-              </a:rPr>
-              <a:t>використання персоналу та </a:t>
-            </a:r>
-            <a:r>
-              <a:rPr lang="uk-UA" sz="2400" dirty="0" smtClean="0">
-                <a:latin typeface="Times New Roman" panose="02020603050405020304" pitchFamily="18" charset="0"/>
-                <a:cs typeface="Times New Roman" panose="02020603050405020304" pitchFamily="18" charset="0"/>
-              </a:rPr>
-              <a:t>неможливості </a:t>
-            </a:r>
-            <a:r>
-              <a:rPr lang="uk-UA" sz="2400" dirty="0" smtClean="0">
-                <a:latin typeface="Times New Roman" panose="02020603050405020304" pitchFamily="18" charset="0"/>
-                <a:cs typeface="Times New Roman" panose="02020603050405020304" pitchFamily="18" charset="0"/>
-              </a:rPr>
-              <a:t>вчасно реагувати на зміни виробничого середовища.</a:t>
+              <a:t>Низький поточний рівень автоматизації процесу створення розкладу занять та супутніх документів. Відсутність автоматизації призводить до непродуктивного використання персоналу та неможливості вчасно реагувати на зміни виробничого середовища.</a:t>
             </a:r>
           </a:p>
           <a:p>
@@ -5312,21 +5270,7 @@
                 <a:latin typeface="Times New Roman" panose="02020603050405020304" pitchFamily="18" charset="0"/>
                 <a:cs typeface="Times New Roman" panose="02020603050405020304" pitchFamily="18" charset="0"/>
               </a:rPr>
-              <a:t>Високий рівень актуальності розробки програмної системи для автоматизації. Ринок </a:t>
-            </a:r>
-            <a:r>
-              <a:rPr lang="uk-UA" sz="2400" dirty="0" smtClean="0">
-                <a:latin typeface="Times New Roman" panose="02020603050405020304" pitchFamily="18" charset="0"/>
-                <a:cs typeface="Times New Roman" panose="02020603050405020304" pitchFamily="18" charset="0"/>
-              </a:rPr>
-              <a:t>потребує </a:t>
-            </a:r>
-            <a:r>
-              <a:rPr lang="uk-UA" sz="2400" dirty="0" smtClean="0">
-                <a:latin typeface="Times New Roman" panose="02020603050405020304" pitchFamily="18" charset="0"/>
-                <a:cs typeface="Times New Roman" panose="02020603050405020304" pitchFamily="18" charset="0"/>
-              </a:rPr>
-              <a:t>розробки такої програмної системи.</a:t>
+              <a:t>Високий рівень актуальності розробки програмної системи для автоматизації. Ринок потребує розробки такої програмної системи.</a:t>
             </a:r>
           </a:p>
           <a:p>
